--- a/docs/diagrams/UndoRedoNewCommand2StateListDiagram.pptx
+++ b/docs/diagrams/UndoRedoNewCommand2StateListDiagram.pptx
@@ -1,6 +1,6 @@
 
 <file path=ppt/presentation.xml><?xml version="1.0" encoding="utf-8"?>
-<p:presentation xmlns:a="http://schemas.openxmlformats.org/drawingml/2006/main" xmlns:r="http://schemas.openxmlformats.org/officeDocument/2006/relationships" xmlns:p="http://schemas.openxmlformats.org/presentationml/2006/main" saveSubsetFonts="1">
+<p:presentation xmlns:a="http://schemas.openxmlformats.org/drawingml/2006/main" xmlns:r="http://schemas.openxmlformats.org/officeDocument/2006/relationships" xmlns:p="http://schemas.openxmlformats.org/presentationml/2006/main" removePersonalInfoOnSave="1" saveSubsetFonts="1">
   <p:sldMasterIdLst>
     <p:sldMasterId id="2147483648" r:id="rId1"/>
   </p:sldMasterIdLst>
@@ -112,10 +112,6 @@
 </p:presentation>
 </file>
 
-<file path=ppt/revisionInfo.xml><?xml version="1.0" encoding="utf-8"?>
-<p1510:revInfo xmlns:a="http://schemas.openxmlformats.org/drawingml/2006/main" xmlns:r="http://schemas.openxmlformats.org/officeDocument/2006/relationships" xmlns:p1510="http://schemas.microsoft.com/office/powerpoint/2015/10/main"/>
-</file>
-
 <file path=ppt/slideLayouts/slideLayout1.xml><?xml version="1.0" encoding="utf-8"?>
 <p:sldLayout xmlns:a="http://schemas.openxmlformats.org/drawingml/2006/main" xmlns:r="http://schemas.openxmlformats.org/officeDocument/2006/relationships" xmlns:p="http://schemas.openxmlformats.org/presentationml/2006/main" type="title" preserve="1">
   <p:cSld name="Title Slide">
@@ -265,7 +261,7 @@
           <a:p>
             <a:fld id="{03EC4E3E-8101-482F-A883-8B55DAFF7C07}" type="datetimeFigureOut">
               <a:rPr lang="en-SG" smtClean="0"/>
-              <a:t>6/7/2018</a:t>
+              <a:t>26 Feb 2019</a:t>
             </a:fld>
             <a:endParaRPr lang="en-SG"/>
           </a:p>
@@ -465,7 +461,7 @@
           <a:p>
             <a:fld id="{03EC4E3E-8101-482F-A883-8B55DAFF7C07}" type="datetimeFigureOut">
               <a:rPr lang="en-SG" smtClean="0"/>
-              <a:t>6/7/2018</a:t>
+              <a:t>26 Feb 2019</a:t>
             </a:fld>
             <a:endParaRPr lang="en-SG"/>
           </a:p>
@@ -675,7 +671,7 @@
           <a:p>
             <a:fld id="{03EC4E3E-8101-482F-A883-8B55DAFF7C07}" type="datetimeFigureOut">
               <a:rPr lang="en-SG" smtClean="0"/>
-              <a:t>6/7/2018</a:t>
+              <a:t>26 Feb 2019</a:t>
             </a:fld>
             <a:endParaRPr lang="en-SG"/>
           </a:p>
@@ -875,7 +871,7 @@
           <a:p>
             <a:fld id="{03EC4E3E-8101-482F-A883-8B55DAFF7C07}" type="datetimeFigureOut">
               <a:rPr lang="en-SG" smtClean="0"/>
-              <a:t>6/7/2018</a:t>
+              <a:t>26 Feb 2019</a:t>
             </a:fld>
             <a:endParaRPr lang="en-SG"/>
           </a:p>
@@ -1151,7 +1147,7 @@
           <a:p>
             <a:fld id="{03EC4E3E-8101-482F-A883-8B55DAFF7C07}" type="datetimeFigureOut">
               <a:rPr lang="en-SG" smtClean="0"/>
-              <a:t>6/7/2018</a:t>
+              <a:t>26 Feb 2019</a:t>
             </a:fld>
             <a:endParaRPr lang="en-SG"/>
           </a:p>
@@ -1419,7 +1415,7 @@
           <a:p>
             <a:fld id="{03EC4E3E-8101-482F-A883-8B55DAFF7C07}" type="datetimeFigureOut">
               <a:rPr lang="en-SG" smtClean="0"/>
-              <a:t>6/7/2018</a:t>
+              <a:t>26 Feb 2019</a:t>
             </a:fld>
             <a:endParaRPr lang="en-SG"/>
           </a:p>
@@ -1834,7 +1830,7 @@
           <a:p>
             <a:fld id="{03EC4E3E-8101-482F-A883-8B55DAFF7C07}" type="datetimeFigureOut">
               <a:rPr lang="en-SG" smtClean="0"/>
-              <a:t>6/7/2018</a:t>
+              <a:t>26 Feb 2019</a:t>
             </a:fld>
             <a:endParaRPr lang="en-SG"/>
           </a:p>
@@ -1976,7 +1972,7 @@
           <a:p>
             <a:fld id="{03EC4E3E-8101-482F-A883-8B55DAFF7C07}" type="datetimeFigureOut">
               <a:rPr lang="en-SG" smtClean="0"/>
-              <a:t>6/7/2018</a:t>
+              <a:t>26 Feb 2019</a:t>
             </a:fld>
             <a:endParaRPr lang="en-SG"/>
           </a:p>
@@ -2089,7 +2085,7 @@
           <a:p>
             <a:fld id="{03EC4E3E-8101-482F-A883-8B55DAFF7C07}" type="datetimeFigureOut">
               <a:rPr lang="en-SG" smtClean="0"/>
-              <a:t>6/7/2018</a:t>
+              <a:t>26 Feb 2019</a:t>
             </a:fld>
             <a:endParaRPr lang="en-SG"/>
           </a:p>
@@ -2402,7 +2398,7 @@
           <a:p>
             <a:fld id="{03EC4E3E-8101-482F-A883-8B55DAFF7C07}" type="datetimeFigureOut">
               <a:rPr lang="en-SG" smtClean="0"/>
-              <a:t>6/7/2018</a:t>
+              <a:t>26 Feb 2019</a:t>
             </a:fld>
             <a:endParaRPr lang="en-SG"/>
           </a:p>
@@ -2691,7 +2687,7 @@
           <a:p>
             <a:fld id="{03EC4E3E-8101-482F-A883-8B55DAFF7C07}" type="datetimeFigureOut">
               <a:rPr lang="en-SG" smtClean="0"/>
-              <a:t>6/7/2018</a:t>
+              <a:t>26 Feb 2019</a:t>
             </a:fld>
             <a:endParaRPr lang="en-SG"/>
           </a:p>
@@ -2934,7 +2930,7 @@
           <a:p>
             <a:fld id="{03EC4E3E-8101-482F-A883-8B55DAFF7C07}" type="datetimeFigureOut">
               <a:rPr lang="en-SG" smtClean="0"/>
-              <a:t>6/7/2018</a:t>
+              <a:t>26 Feb 2019</a:t>
             </a:fld>
             <a:endParaRPr lang="en-SG"/>
           </a:p>
@@ -3757,11 +3753,11 @@
                     <a:lstStyle/>
                     <a:p>
                       <a:r>
-                        <a:rPr lang="en-SG" u="sng"/>
+                        <a:rPr lang="en-SG" u="sng" dirty="0"/>
                         <a:t>ab2:A</a:t>
                       </a:r>
                       <a:r>
-                        <a:rPr lang="en-SG" sz="1800" u="sng"/>
+                        <a:rPr lang="en-SG" sz="1800" u="sng" dirty="0"/>
                         <a:t>ddressBook</a:t>
                       </a:r>
                       <a:endParaRPr lang="en-SG" sz="1600" u="sng" dirty="0"/>
